--- a/writing/figures/Phylosift_Monkey.pptx
+++ b/writing/figures/Phylosift_Monkey.pptx
@@ -295,7 +295,7 @@
           <a:p>
             <a:fld id="{1EB31AE5-1B8F-5848-93B8-66F20C8DE389}" type="datetimeFigureOut">
               <a:rPr lang="en-US" smtClean="0"/>
-              <a:t>5/3/12</a:t>
+              <a:t>5/30/12</a:t>
             </a:fld>
             <a:endParaRPr lang="en-US"/>
           </a:p>
@@ -465,7 +465,7 @@
           <a:p>
             <a:fld id="{1EB31AE5-1B8F-5848-93B8-66F20C8DE389}" type="datetimeFigureOut">
               <a:rPr lang="en-US" smtClean="0"/>
-              <a:t>5/3/12</a:t>
+              <a:t>5/30/12</a:t>
             </a:fld>
             <a:endParaRPr lang="en-US"/>
           </a:p>
@@ -645,7 +645,7 @@
           <a:p>
             <a:fld id="{1EB31AE5-1B8F-5848-93B8-66F20C8DE389}" type="datetimeFigureOut">
               <a:rPr lang="en-US" smtClean="0"/>
-              <a:t>5/3/12</a:t>
+              <a:t>5/30/12</a:t>
             </a:fld>
             <a:endParaRPr lang="en-US"/>
           </a:p>
@@ -815,7 +815,7 @@
           <a:p>
             <a:fld id="{1EB31AE5-1B8F-5848-93B8-66F20C8DE389}" type="datetimeFigureOut">
               <a:rPr lang="en-US" smtClean="0"/>
-              <a:t>5/3/12</a:t>
+              <a:t>5/30/12</a:t>
             </a:fld>
             <a:endParaRPr lang="en-US"/>
           </a:p>
@@ -1061,7 +1061,7 @@
           <a:p>
             <a:fld id="{1EB31AE5-1B8F-5848-93B8-66F20C8DE389}" type="datetimeFigureOut">
               <a:rPr lang="en-US" smtClean="0"/>
-              <a:t>5/3/12</a:t>
+              <a:t>5/30/12</a:t>
             </a:fld>
             <a:endParaRPr lang="en-US"/>
           </a:p>
@@ -1349,7 +1349,7 @@
           <a:p>
             <a:fld id="{1EB31AE5-1B8F-5848-93B8-66F20C8DE389}" type="datetimeFigureOut">
               <a:rPr lang="en-US" smtClean="0"/>
-              <a:t>5/3/12</a:t>
+              <a:t>5/30/12</a:t>
             </a:fld>
             <a:endParaRPr lang="en-US"/>
           </a:p>
@@ -1776,7 +1776,7 @@
           <a:p>
             <a:fld id="{1EB31AE5-1B8F-5848-93B8-66F20C8DE389}" type="datetimeFigureOut">
               <a:rPr lang="en-US" smtClean="0"/>
-              <a:t>5/3/12</a:t>
+              <a:t>5/30/12</a:t>
             </a:fld>
             <a:endParaRPr lang="en-US"/>
           </a:p>
@@ -1894,7 +1894,7 @@
           <a:p>
             <a:fld id="{1EB31AE5-1B8F-5848-93B8-66F20C8DE389}" type="datetimeFigureOut">
               <a:rPr lang="en-US" smtClean="0"/>
-              <a:t>5/3/12</a:t>
+              <a:t>5/30/12</a:t>
             </a:fld>
             <a:endParaRPr lang="en-US"/>
           </a:p>
@@ -1989,7 +1989,7 @@
           <a:p>
             <a:fld id="{1EB31AE5-1B8F-5848-93B8-66F20C8DE389}" type="datetimeFigureOut">
               <a:rPr lang="en-US" smtClean="0"/>
-              <a:t>5/3/12</a:t>
+              <a:t>5/30/12</a:t>
             </a:fld>
             <a:endParaRPr lang="en-US"/>
           </a:p>
@@ -2266,7 +2266,7 @@
           <a:p>
             <a:fld id="{1EB31AE5-1B8F-5848-93B8-66F20C8DE389}" type="datetimeFigureOut">
               <a:rPr lang="en-US" smtClean="0"/>
-              <a:t>5/3/12</a:t>
+              <a:t>5/30/12</a:t>
             </a:fld>
             <a:endParaRPr lang="en-US"/>
           </a:p>
@@ -2519,7 +2519,7 @@
           <a:p>
             <a:fld id="{1EB31AE5-1B8F-5848-93B8-66F20C8DE389}" type="datetimeFigureOut">
               <a:rPr lang="en-US" smtClean="0"/>
-              <a:t>5/3/12</a:t>
+              <a:t>5/30/12</a:t>
             </a:fld>
             <a:endParaRPr lang="en-US"/>
           </a:p>
@@ -2732,7 +2732,7 @@
           <a:p>
             <a:fld id="{1EB31AE5-1B8F-5848-93B8-66F20C8DE389}" type="datetimeFigureOut">
               <a:rPr lang="en-US" smtClean="0"/>
-              <a:t>5/3/12</a:t>
+              <a:t>5/30/12</a:t>
             </a:fld>
             <a:endParaRPr lang="en-US"/>
           </a:p>
@@ -3115,7 +3115,7 @@
         </p:nvGrpSpPr>
         <p:grpSpPr>
           <a:xfrm>
-            <a:off x="7416800" y="5321294"/>
+            <a:off x="7463367" y="5321294"/>
             <a:ext cx="2298700" cy="952500"/>
             <a:chOff x="4191000" y="2908300"/>
             <a:chExt cx="2298700" cy="952500"/>
@@ -3215,7 +3215,7 @@
         </p:nvGrpSpPr>
         <p:grpSpPr>
           <a:xfrm>
-            <a:off x="7416800" y="3459865"/>
+            <a:off x="7463367" y="3459865"/>
             <a:ext cx="2298700" cy="952500"/>
             <a:chOff x="4191000" y="2908300"/>
             <a:chExt cx="2298700" cy="952500"/>
@@ -3277,8 +3277,8 @@
           </p:nvSpPr>
           <p:spPr>
             <a:xfrm>
-              <a:off x="4343400" y="3125806"/>
-              <a:ext cx="2032000" cy="492443"/>
+              <a:off x="4343400" y="2956476"/>
+              <a:ext cx="2032000" cy="861774"/>
             </a:xfrm>
             <a:prstGeom prst="rect">
               <a:avLst/>
@@ -3293,13 +3293,48 @@
             <a:p>
               <a:pPr algn="ctr"/>
               <a:r>
+                <a:rPr lang="en-US" sz="2600" dirty="0" err="1">
+                  <a:latin typeface="Helvetica Neue"/>
+                  <a:cs typeface="Helvetica Neue"/>
+                </a:rPr>
+                <a:t>h</a:t>
+              </a:r>
+              <a:r>
                 <a:rPr lang="en-US" sz="2600" dirty="0" err="1" smtClean="0">
                   <a:latin typeface="Helvetica Neue"/>
                   <a:cs typeface="Helvetica Neue"/>
                 </a:rPr>
-                <a:t>HMMbuild</a:t>
+                <a:t>mmbuild</a:t>
               </a:r>
-              <a:endParaRPr lang="en-US" sz="2600" dirty="0">
+              <a:r>
+                <a:rPr lang="en-US" sz="2600" dirty="0" smtClean="0">
+                  <a:latin typeface="Helvetica Neue"/>
+                  <a:cs typeface="Helvetica Neue"/>
+                </a:rPr>
+                <a:t> </a:t>
+              </a:r>
+              <a:r>
+                <a:rPr lang="en-US" sz="2400" dirty="0" smtClean="0">
+                  <a:latin typeface="Helvetica Neue"/>
+                  <a:cs typeface="Helvetica Neue"/>
+                </a:rPr>
+                <a:t>(</a:t>
+              </a:r>
+              <a:r>
+                <a:rPr lang="en-US" sz="2400" dirty="0" err="1" smtClean="0">
+                  <a:latin typeface="Helvetica Neue"/>
+                  <a:cs typeface="Helvetica Neue"/>
+                </a:rPr>
+                <a:t>ssu</a:t>
+              </a:r>
+              <a:r>
+                <a:rPr lang="en-US" sz="2400" dirty="0" smtClean="0">
+                  <a:latin typeface="Helvetica Neue"/>
+                  <a:cs typeface="Helvetica Neue"/>
+                </a:rPr>
+                <a:t>-build)</a:t>
+              </a:r>
+              <a:endParaRPr lang="en-US" sz="2400" dirty="0">
                 <a:latin typeface="Helvetica Neue"/>
                 <a:cs typeface="Helvetica Neue"/>
               </a:endParaRPr>
@@ -3377,8 +3412,8 @@
           </p:nvSpPr>
           <p:spPr>
             <a:xfrm>
-              <a:off x="961342" y="673100"/>
-              <a:ext cx="3519514" cy="969496"/>
+              <a:off x="961342" y="673101"/>
+              <a:ext cx="3519514" cy="1699117"/>
             </a:xfrm>
             <a:prstGeom prst="rect">
               <a:avLst/>
@@ -3404,7 +3439,7 @@
               <a:pPr algn="ctr"/>
               <a:r>
                 <a:rPr lang="en-US" sz="1800" dirty="0" smtClean="0"/>
-                <a:t>(Accession, NCBI taxon ID)</a:t>
+                <a:t>(sequence name, NCBI taxon ID)</a:t>
               </a:r>
             </a:p>
           </p:txBody>
@@ -3424,12 +3459,13 @@
           <a:prstGeom prst="straightConnector1">
             <a:avLst/>
           </a:prstGeom>
-          <a:ln w="50800">
+          <a:ln w="60325">
             <a:solidFill>
               <a:schemeClr val="tx1"/>
             </a:solidFill>
             <a:tailEnd type="triangle" w="lg" len="med"/>
           </a:ln>
+          <a:effectLst/>
         </p:spPr>
         <p:style>
           <a:lnRef idx="2">
@@ -3449,23 +3485,26 @@
       <p:cxnSp>
         <p:nvCxnSpPr>
           <p:cNvPr id="63" name="Straight Arrow Connector 62"/>
-          <p:cNvCxnSpPr/>
+          <p:cNvCxnSpPr>
+            <a:stCxn id="19" idx="2"/>
+          </p:cNvCxnSpPr>
           <p:nvPr/>
         </p:nvCxnSpPr>
         <p:spPr>
           <a:xfrm>
-            <a:off x="8564031" y="4555068"/>
-            <a:ext cx="0" cy="732713"/>
+            <a:off x="8612717" y="4412365"/>
+            <a:ext cx="0" cy="875416"/>
           </a:xfrm>
           <a:prstGeom prst="straightConnector1">
             <a:avLst/>
           </a:prstGeom>
-          <a:ln w="50800">
+          <a:ln w="60325">
             <a:solidFill>
               <a:schemeClr val="tx1"/>
             </a:solidFill>
             <a:tailEnd type="triangle" w="lg" len="med"/>
           </a:ln>
+          <a:effectLst/>
         </p:spPr>
         <p:style>
           <a:lnRef idx="2">
@@ -3616,8 +3655,8 @@
         </p:nvSpPr>
         <p:spPr>
           <a:xfrm>
-            <a:off x="9601200" y="3604310"/>
-            <a:ext cx="3390900" cy="646331"/>
+            <a:off x="9771035" y="3557349"/>
+            <a:ext cx="3420032" cy="646331"/>
           </a:xfrm>
           <a:prstGeom prst="rect">
             <a:avLst/>
@@ -3630,14 +3669,21 @@
           </a:bodyPr>
           <a:lstStyle/>
           <a:p>
-            <a:pPr algn="ctr"/>
+            <a:r>
+              <a:rPr lang="en-US" sz="1800" dirty="0"/>
+              <a:t>C</a:t>
+            </a:r>
+            <a:r>
+              <a:rPr lang="en-US" sz="1800" dirty="0" smtClean="0"/>
+              <a:t>reate profile HMMs (or CMs for </a:t>
+            </a:r>
             <a:r>
               <a:rPr lang="en-US" sz="1800" dirty="0" err="1" smtClean="0"/>
-              <a:t>Unalign</a:t>
+              <a:t>rRNA</a:t>
             </a:r>
             <a:r>
               <a:rPr lang="en-US" sz="1800" dirty="0" smtClean="0"/>
-              <a:t> sequences and create profile HMM out of input data</a:t>
+              <a:t> data) using input sequences</a:t>
             </a:r>
             <a:endParaRPr lang="en-US" sz="1800" dirty="0"/>
           </a:p>
@@ -3754,18 +3800,19 @@
         </p:nvCxnSpPr>
         <p:spPr>
           <a:xfrm flipH="1">
-            <a:off x="8607425" y="2393950"/>
+            <a:off x="8641291" y="2393950"/>
             <a:ext cx="723900" cy="1032049"/>
           </a:xfrm>
           <a:prstGeom prst="straightConnector1">
             <a:avLst/>
           </a:prstGeom>
-          <a:ln w="50800">
+          <a:ln w="60325">
             <a:solidFill>
               <a:schemeClr val="tx1"/>
             </a:solidFill>
             <a:tailEnd type="triangle" w="lg" len="med"/>
           </a:ln>
+          <a:effectLst/>
         </p:spPr>
         <p:style>
           <a:lnRef idx="2">
@@ -3820,7 +3867,7 @@
         </p:nvGrpSpPr>
         <p:grpSpPr>
           <a:xfrm>
-            <a:off x="7454900" y="7144089"/>
+            <a:off x="7463367" y="7144089"/>
             <a:ext cx="2298700" cy="952500"/>
             <a:chOff x="4191000" y="2908300"/>
             <a:chExt cx="2298700" cy="952500"/>
@@ -3915,23 +3962,26 @@
       <p:cxnSp>
         <p:nvCxnSpPr>
           <p:cNvPr id="47" name="Straight Arrow Connector 46"/>
-          <p:cNvCxnSpPr/>
+          <p:cNvCxnSpPr>
+            <a:stCxn id="10" idx="2"/>
+          </p:cNvCxnSpPr>
           <p:nvPr/>
         </p:nvCxnSpPr>
         <p:spPr>
           <a:xfrm>
-            <a:off x="8602131" y="6377863"/>
-            <a:ext cx="0" cy="732713"/>
+            <a:off x="8612717" y="6273794"/>
+            <a:ext cx="0" cy="836782"/>
           </a:xfrm>
           <a:prstGeom prst="straightConnector1">
             <a:avLst/>
           </a:prstGeom>
-          <a:ln w="50800">
+          <a:ln w="60325">
             <a:solidFill>
               <a:schemeClr val="tx1"/>
             </a:solidFill>
             <a:tailEnd type="triangle" w="lg" len="med"/>
           </a:ln>
+          <a:effectLst/>
         </p:spPr>
         <p:style>
           <a:lnRef idx="2">
@@ -3956,7 +4006,7 @@
         </p:nvGrpSpPr>
         <p:grpSpPr>
           <a:xfrm>
-            <a:off x="7486647" y="8998865"/>
+            <a:off x="7463367" y="8998865"/>
             <a:ext cx="2298700" cy="952500"/>
             <a:chOff x="4191000" y="2908300"/>
             <a:chExt cx="2298700" cy="952500"/>
@@ -4051,23 +4101,26 @@
       <p:cxnSp>
         <p:nvCxnSpPr>
           <p:cNvPr id="52" name="Straight Arrow Connector 51"/>
-          <p:cNvCxnSpPr/>
+          <p:cNvCxnSpPr>
+            <a:stCxn id="45" idx="2"/>
+          </p:cNvCxnSpPr>
           <p:nvPr/>
         </p:nvCxnSpPr>
         <p:spPr>
           <a:xfrm>
-            <a:off x="8633878" y="8232639"/>
-            <a:ext cx="0" cy="732713"/>
+            <a:off x="8612717" y="8096589"/>
+            <a:ext cx="0" cy="868763"/>
           </a:xfrm>
           <a:prstGeom prst="straightConnector1">
             <a:avLst/>
           </a:prstGeom>
-          <a:ln w="50800">
+          <a:ln w="60325">
             <a:solidFill>
               <a:schemeClr val="tx1"/>
             </a:solidFill>
             <a:tailEnd type="triangle" w="lg" len="med"/>
           </a:ln>
+          <a:effectLst/>
         </p:spPr>
         <p:style>
           <a:lnRef idx="2">
@@ -4092,7 +4145,7 @@
         </p:nvGrpSpPr>
         <p:grpSpPr>
           <a:xfrm>
-            <a:off x="7509934" y="10811935"/>
+            <a:off x="7463367" y="10811935"/>
             <a:ext cx="2298700" cy="952500"/>
             <a:chOff x="4191000" y="2908300"/>
             <a:chExt cx="2298700" cy="952500"/>
@@ -4187,23 +4240,26 @@
       <p:cxnSp>
         <p:nvCxnSpPr>
           <p:cNvPr id="57" name="Straight Arrow Connector 56"/>
-          <p:cNvCxnSpPr/>
+          <p:cNvCxnSpPr>
+            <a:stCxn id="49" idx="2"/>
+          </p:cNvCxnSpPr>
           <p:nvPr/>
         </p:nvCxnSpPr>
         <p:spPr>
           <a:xfrm>
-            <a:off x="8657165" y="10045709"/>
-            <a:ext cx="0" cy="732713"/>
+            <a:off x="8612717" y="9951365"/>
+            <a:ext cx="0" cy="827057"/>
           </a:xfrm>
           <a:prstGeom prst="straightConnector1">
             <a:avLst/>
           </a:prstGeom>
-          <a:ln w="50800">
+          <a:ln w="60325">
             <a:solidFill>
               <a:schemeClr val="tx1"/>
             </a:solidFill>
             <a:tailEnd type="triangle" w="lg" len="med"/>
           </a:ln>
+          <a:effectLst/>
         </p:spPr>
         <p:style>
           <a:lnRef idx="2">
@@ -4220,44 +4276,6 @@
           </a:fontRef>
         </p:style>
       </p:cxnSp>
-      <p:sp>
-        <p:nvSpPr>
-          <p:cNvPr id="58" name="TextBox 57"/>
-          <p:cNvSpPr txBox="1"/>
-          <p:nvPr/>
-        </p:nvSpPr>
-        <p:spPr>
-          <a:xfrm>
-            <a:off x="8894123" y="6377863"/>
-            <a:ext cx="4484380" cy="646331"/>
-          </a:xfrm>
-          <a:prstGeom prst="rect">
-            <a:avLst/>
-          </a:prstGeom>
-          <a:noFill/>
-        </p:spPr>
-        <p:txBody>
-          <a:bodyPr wrap="square" rtlCol="0">
-            <a:spAutoFit/>
-          </a:bodyPr>
-          <a:lstStyle/>
-          <a:p>
-            <a:r>
-              <a:rPr lang="en-US" sz="1800" dirty="0" smtClean="0"/>
-              <a:t>Sequence accessions mapped to phylogeny via a dummy </a:t>
-            </a:r>
-            <a:r>
-              <a:rPr lang="en-US" sz="1800" dirty="0" err="1" smtClean="0"/>
-              <a:t>pplacer</a:t>
-            </a:r>
-            <a:r>
-              <a:rPr lang="en-US" sz="1800" dirty="0" smtClean="0"/>
-              <a:t> file</a:t>
-            </a:r>
-            <a:endParaRPr lang="en-US" sz="1800" dirty="0"/>
-          </a:p>
-        </p:txBody>
-      </p:sp>
       <p:sp>
         <p:nvSpPr>
           <p:cNvPr id="59" name="TextBox 58"/>
@@ -4610,12 +4628,13 @@
           <a:prstGeom prst="straightConnector1">
             <a:avLst/>
           </a:prstGeom>
-          <a:ln w="50800">
+          <a:ln w="60325">
             <a:solidFill>
               <a:schemeClr val="tx1"/>
             </a:solidFill>
             <a:tailEnd type="triangle" w="lg" len="med"/>
           </a:ln>
+          <a:effectLst/>
         </p:spPr>
         <p:style>
           <a:lnRef idx="2">
@@ -4790,9 +4809,36 @@
                   <a:srgbClr val="000000"/>
                 </a:solidFill>
               </a:rPr>
-              <a:t>Hmm profile</a:t>
-            </a:r>
-            <a:endParaRPr lang="en-US" sz="3600" dirty="0">
+              <a:t>HMM profile </a:t>
+            </a:r>
+          </a:p>
+          <a:p>
+            <a:pPr algn="ctr"/>
+            <a:r>
+              <a:rPr lang="en-US" sz="2400" dirty="0" smtClean="0">
+                <a:solidFill>
+                  <a:srgbClr val="000000"/>
+                </a:solidFill>
+              </a:rPr>
+              <a:t>(CMs for </a:t>
+            </a:r>
+            <a:r>
+              <a:rPr lang="en-US" sz="2400" dirty="0" err="1" smtClean="0">
+                <a:solidFill>
+                  <a:srgbClr val="000000"/>
+                </a:solidFill>
+              </a:rPr>
+              <a:t>rRNA</a:t>
+            </a:r>
+            <a:r>
+              <a:rPr lang="en-US" sz="2400" dirty="0" smtClean="0">
+                <a:solidFill>
+                  <a:srgbClr val="000000"/>
+                </a:solidFill>
+              </a:rPr>
+              <a:t>)</a:t>
+            </a:r>
+            <a:endParaRPr lang="en-US" sz="2400" dirty="0">
               <a:solidFill>
                 <a:srgbClr val="000000"/>
               </a:solidFill>
@@ -4976,59 +5022,6 @@
                 <a:srgbClr val="000000"/>
               </a:solidFill>
             </a:endParaRPr>
-          </a:p>
-        </p:txBody>
-      </p:sp>
-      <p:sp>
-        <p:nvSpPr>
-          <p:cNvPr id="66" name="TextBox 65"/>
-          <p:cNvSpPr txBox="1"/>
-          <p:nvPr/>
-        </p:nvSpPr>
-        <p:spPr>
-          <a:xfrm>
-            <a:off x="13191067" y="5790926"/>
-            <a:ext cx="3480817" cy="1477328"/>
-          </a:xfrm>
-          <a:prstGeom prst="rect">
-            <a:avLst/>
-          </a:prstGeom>
-          <a:solidFill>
-            <a:srgbClr val="FFFF66"/>
-          </a:solidFill>
-          <a:ln>
-            <a:solidFill>
-              <a:schemeClr val="tx1"/>
-            </a:solidFill>
-          </a:ln>
-        </p:spPr>
-        <p:txBody>
-          <a:bodyPr wrap="square" rtlCol="0">
-            <a:spAutoFit/>
-          </a:bodyPr>
-          <a:lstStyle/>
-          <a:p>
-            <a:r>
-              <a:rPr lang="en-US" sz="1800" dirty="0" smtClean="0"/>
-              <a:t>HB: Want to mention the dummy </a:t>
-            </a:r>
-            <a:r>
-              <a:rPr lang="en-US" sz="1800" dirty="0" err="1" smtClean="0"/>
-              <a:t>pplacer</a:t>
-            </a:r>
-            <a:r>
-              <a:rPr lang="en-US" sz="1800" dirty="0" smtClean="0"/>
-              <a:t> step here but don</a:t>
-            </a:r>
-            <a:r>
-              <a:rPr lang="fr-FR" sz="1800" dirty="0" smtClean="0"/>
-              <a:t>’</a:t>
-            </a:r>
-            <a:r>
-              <a:rPr lang="en-US" sz="1800" dirty="0" smtClean="0"/>
-              <a:t>t want to go into too much detail (might confuse readers). Is this appropriate?</a:t>
-            </a:r>
-            <a:endParaRPr lang="en-US" sz="1800" dirty="0"/>
           </a:p>
         </p:txBody>
       </p:sp>
@@ -5092,47 +5085,6 @@
           </a:prstGeom>
         </p:spPr>
       </p:pic>
-      <p:sp>
-        <p:nvSpPr>
-          <p:cNvPr id="69" name="TextBox 68"/>
-          <p:cNvSpPr txBox="1"/>
-          <p:nvPr/>
-        </p:nvSpPr>
-        <p:spPr>
-          <a:xfrm>
-            <a:off x="556722" y="6285530"/>
-            <a:ext cx="3067011" cy="1200329"/>
-          </a:xfrm>
-          <a:prstGeom prst="rect">
-            <a:avLst/>
-          </a:prstGeom>
-          <a:solidFill>
-            <a:srgbClr val="FFFF66"/>
-          </a:solidFill>
-          <a:ln>
-            <a:solidFill>
-              <a:schemeClr val="tx1"/>
-            </a:solidFill>
-          </a:ln>
-        </p:spPr>
-        <p:txBody>
-          <a:bodyPr wrap="square" rtlCol="0">
-            <a:spAutoFit/>
-          </a:bodyPr>
-          <a:lstStyle/>
-          <a:p>
-            <a:r>
-              <a:rPr lang="en-US" sz="1800" dirty="0" smtClean="0"/>
-              <a:t>HB: </a:t>
-            </a:r>
-            <a:r>
-              <a:rPr lang="en-US" sz="1800" dirty="0" smtClean="0"/>
-              <a:t>Creepy monkey (top) or non creepy monkey (below)?? Or both (since they fill out the white space nicely)?</a:t>
-            </a:r>
-            <a:endParaRPr lang="en-US" sz="1800" dirty="0"/>
-          </a:p>
-        </p:txBody>
-      </p:sp>
     </p:spTree>
     <p:extLst>
       <p:ext uri="{BB962C8B-B14F-4D97-AF65-F5344CB8AC3E}">
